--- a/ETL Group Project Presentation.pptx
+++ b/ETL Group Project Presentation.pptx
@@ -8,9 +8,7 @@
     <p:sldId id="256" r:id="rId2"/>
     <p:sldId id="257" r:id="rId3"/>
     <p:sldId id="261" r:id="rId4"/>
-    <p:sldId id="262" r:id="rId5"/>
-    <p:sldId id="263" r:id="rId6"/>
-    <p:sldId id="264" r:id="rId7"/>
+    <p:sldId id="264" r:id="rId5"/>
   </p:sldIdLst>
   <p:sldSz cx="12192000" cy="6858000"/>
   <p:notesSz cx="6858000" cy="9144000"/>
@@ -109,6 +107,11 @@
       </a:defRPr>
     </a:lvl9pPr>
   </p:defaultTextStyle>
+  <p:extLst>
+    <p:ext uri="{EFAFB233-063F-42B5-8137-9DF3F51BA10A}">
+      <p15:sldGuideLst xmlns:p15="http://schemas.microsoft.com/office/powerpoint/2012/main"/>
+    </p:ext>
+  </p:extLst>
 </p:presentation>
 </file>
 
@@ -1324,7 +1327,7 @@
             <a:fld id="{9334D819-9F07-4261-B09B-9E467E5D9002}" type="datetimeFigureOut">
               <a:rPr lang="en-US" dirty="0"/>
               <a:pPr/>
-              <a:t>8/7/19</a:t>
+              <a:t>8/10/19</a:t>
             </a:fld>
             <a:endParaRPr lang="en-US" dirty="0"/>
           </a:p>
@@ -1558,7 +1561,7 @@
           <a:p>
             <a:fld id="{9334D819-9F07-4261-B09B-9E467E5D9002}" type="datetimeFigureOut">
               <a:rPr lang="en-US" dirty="0"/>
-              <a:t>8/7/19</a:t>
+              <a:t>8/10/19</a:t>
             </a:fld>
             <a:endParaRPr lang="en-US" dirty="0"/>
           </a:p>
@@ -1733,7 +1736,7 @@
           <a:p>
             <a:fld id="{9334D819-9F07-4261-B09B-9E467E5D9002}" type="datetimeFigureOut">
               <a:rPr lang="en-US" dirty="0"/>
-              <a:t>8/7/19</a:t>
+              <a:t>8/10/19</a:t>
             </a:fld>
             <a:endParaRPr lang="en-US" dirty="0"/>
           </a:p>
@@ -1898,7 +1901,7 @@
           <a:p>
             <a:fld id="{9334D819-9F07-4261-B09B-9E467E5D9002}" type="datetimeFigureOut">
               <a:rPr lang="en-US" dirty="0"/>
-              <a:t>8/7/19</a:t>
+              <a:t>8/10/19</a:t>
             </a:fld>
             <a:endParaRPr lang="en-US" dirty="0"/>
           </a:p>
@@ -2170,7 +2173,7 @@
             <a:fld id="{9334D819-9F07-4261-B09B-9E467E5D9002}" type="datetimeFigureOut">
               <a:rPr lang="en-US" dirty="0"/>
               <a:pPr/>
-              <a:t>8/7/19</a:t>
+              <a:t>8/10/19</a:t>
             </a:fld>
             <a:endParaRPr lang="en-US" dirty="0"/>
           </a:p>
@@ -3367,7 +3370,7 @@
           <a:p>
             <a:fld id="{9334D819-9F07-4261-B09B-9E467E5D9002}" type="datetimeFigureOut">
               <a:rPr lang="en-US" dirty="0"/>
-              <a:t>8/7/19</a:t>
+              <a:t>8/10/19</a:t>
             </a:fld>
             <a:endParaRPr lang="en-US" dirty="0"/>
           </a:p>
@@ -3752,7 +3755,7 @@
           <a:p>
             <a:fld id="{9334D819-9F07-4261-B09B-9E467E5D9002}" type="datetimeFigureOut">
               <a:rPr lang="en-US" dirty="0"/>
-              <a:t>8/7/19</a:t>
+              <a:t>8/10/19</a:t>
             </a:fld>
             <a:endParaRPr lang="en-US" dirty="0"/>
           </a:p>
@@ -3870,7 +3873,7 @@
           <a:p>
             <a:fld id="{9334D819-9F07-4261-B09B-9E467E5D9002}" type="datetimeFigureOut">
               <a:rPr lang="en-US" dirty="0"/>
-              <a:t>8/7/19</a:t>
+              <a:t>8/10/19</a:t>
             </a:fld>
             <a:endParaRPr lang="en-US" dirty="0"/>
           </a:p>
@@ -3960,7 +3963,7 @@
           <a:p>
             <a:fld id="{9334D819-9F07-4261-B09B-9E467E5D9002}" type="datetimeFigureOut">
               <a:rPr lang="en-US" dirty="0"/>
-              <a:t>8/7/19</a:t>
+              <a:t>8/10/19</a:t>
             </a:fld>
             <a:endParaRPr lang="en-US" dirty="0"/>
           </a:p>
@@ -4718,7 +4721,7 @@
           <a:p>
             <a:fld id="{9334D819-9F07-4261-B09B-9E467E5D9002}" type="datetimeFigureOut">
               <a:rPr lang="en-US" dirty="0"/>
-              <a:t>8/7/19</a:t>
+              <a:t>8/10/19</a:t>
             </a:fld>
             <a:endParaRPr lang="en-US" dirty="0"/>
           </a:p>
@@ -5553,7 +5556,7 @@
           <a:p>
             <a:fld id="{9334D819-9F07-4261-B09B-9E467E5D9002}" type="datetimeFigureOut">
               <a:rPr lang="en-US" dirty="0"/>
-              <a:t>8/7/19</a:t>
+              <a:t>8/10/19</a:t>
             </a:fld>
             <a:endParaRPr lang="en-US" dirty="0"/>
           </a:p>
@@ -5776,7 +5779,7 @@
             <a:fld id="{9334D819-9F07-4261-B09B-9E467E5D9002}" type="datetimeFigureOut">
               <a:rPr lang="en-US" dirty="0"/>
               <a:pPr/>
-              <a:t>8/7/19</a:t>
+              <a:t>8/10/19</a:t>
             </a:fld>
             <a:endParaRPr lang="en-US" dirty="0"/>
           </a:p>
@@ -7083,7 +7086,7 @@
           <p:cNvPr id="2" name="Title 1">
             <a:extLst>
               <a:ext uri="{FF2B5EF4-FFF2-40B4-BE49-F238E27FC236}">
-                <a16:creationId xmlns:a16="http://schemas.microsoft.com/office/drawing/2014/main" id="{5892B295-D585-2C47-A719-854D4CDC9E22}"/>
+                <a16:creationId xmlns:a16="http://schemas.microsoft.com/office/drawing/2014/main" id="{D714D34D-6BE2-8F42-943B-52C69CE3F6B0}"/>
               </a:ext>
             </a:extLst>
           </p:cNvPr>
@@ -7101,201 +7104,7 @@
           <a:p>
             <a:r>
               <a:rPr lang="en-US" dirty="0"/>
-              <a:t>Final report</a:t>
-            </a:r>
-          </a:p>
-        </p:txBody>
-      </p:sp>
-      <p:sp>
-        <p:nvSpPr>
-          <p:cNvPr id="4" name="Content Placeholder 3">
-            <a:extLst>
-              <a:ext uri="{FF2B5EF4-FFF2-40B4-BE49-F238E27FC236}">
-                <a16:creationId xmlns:a16="http://schemas.microsoft.com/office/drawing/2014/main" id="{B6BEE6D2-267A-5A43-AFC3-1CC2A1275673}"/>
-              </a:ext>
-            </a:extLst>
-          </p:cNvPr>
-          <p:cNvSpPr>
-            <a:spLocks noGrp="1"/>
-          </p:cNvSpPr>
-          <p:nvPr>
-            <p:ph sz="half" idx="1"/>
-          </p:nvPr>
-        </p:nvSpPr>
-        <p:spPr/>
-        <p:txBody>
-          <a:bodyPr/>
-          <a:lstStyle/>
-          <a:p>
-            <a:endParaRPr lang="en-US"/>
-          </a:p>
-        </p:txBody>
-      </p:sp>
-      <p:sp>
-        <p:nvSpPr>
-          <p:cNvPr id="7" name="Content Placeholder 6">
-            <a:extLst>
-              <a:ext uri="{FF2B5EF4-FFF2-40B4-BE49-F238E27FC236}">
-                <a16:creationId xmlns:a16="http://schemas.microsoft.com/office/drawing/2014/main" id="{4116D5B2-E2CC-D04A-96DC-195641D176E5}"/>
-              </a:ext>
-            </a:extLst>
-          </p:cNvPr>
-          <p:cNvSpPr>
-            <a:spLocks noGrp="1"/>
-          </p:cNvSpPr>
-          <p:nvPr>
-            <p:ph sz="half" idx="2"/>
-          </p:nvPr>
-        </p:nvSpPr>
-        <p:spPr/>
-        <p:txBody>
-          <a:bodyPr/>
-          <a:lstStyle/>
-          <a:p>
-            <a:endParaRPr lang="en-US"/>
-          </a:p>
-        </p:txBody>
-      </p:sp>
-    </p:spTree>
-    <p:extLst>
-      <p:ext uri="{BB962C8B-B14F-4D97-AF65-F5344CB8AC3E}">
-        <p14:creationId xmlns:p14="http://schemas.microsoft.com/office/powerpoint/2010/main" val="1146355503"/>
-      </p:ext>
-    </p:extLst>
-  </p:cSld>
-  <p:clrMapOvr>
-    <a:masterClrMapping/>
-  </p:clrMapOvr>
-</p:sld>
-</file>
-
-<file path=ppt/slides/slide5.xml><?xml version="1.0" encoding="utf-8"?>
-<p:sld xmlns:a="http://schemas.openxmlformats.org/drawingml/2006/main" xmlns:r="http://schemas.openxmlformats.org/officeDocument/2006/relationships" xmlns:p="http://schemas.openxmlformats.org/presentationml/2006/main">
-  <p:cSld>
-    <p:spTree>
-      <p:nvGrpSpPr>
-        <p:cNvPr id="1" name=""/>
-        <p:cNvGrpSpPr/>
-        <p:nvPr/>
-      </p:nvGrpSpPr>
-      <p:grpSpPr>
-        <a:xfrm>
-          <a:off x="0" y="0"/>
-          <a:ext cx="0" cy="0"/>
-          <a:chOff x="0" y="0"/>
-          <a:chExt cx="0" cy="0"/>
-        </a:xfrm>
-      </p:grpSpPr>
-      <p:sp>
-        <p:nvSpPr>
-          <p:cNvPr id="2" name="Title 1">
-            <a:extLst>
-              <a:ext uri="{FF2B5EF4-FFF2-40B4-BE49-F238E27FC236}">
-                <a16:creationId xmlns:a16="http://schemas.microsoft.com/office/drawing/2014/main" id="{F89DFA92-F734-1647-988E-E54D6EB92773}"/>
-              </a:ext>
-            </a:extLst>
-          </p:cNvPr>
-          <p:cNvSpPr>
-            <a:spLocks noGrp="1"/>
-          </p:cNvSpPr>
-          <p:nvPr>
-            <p:ph type="title"/>
-          </p:nvPr>
-        </p:nvSpPr>
-        <p:spPr/>
-        <p:txBody>
-          <a:bodyPr/>
-          <a:lstStyle/>
-          <a:p>
-            <a:r>
-              <a:rPr lang="en-US" dirty="0"/>
-              <a:t>bonus</a:t>
-            </a:r>
-          </a:p>
-        </p:txBody>
-      </p:sp>
-      <p:sp>
-        <p:nvSpPr>
-          <p:cNvPr id="3" name="Text Placeholder 2">
-            <a:extLst>
-              <a:ext uri="{FF2B5EF4-FFF2-40B4-BE49-F238E27FC236}">
-                <a16:creationId xmlns:a16="http://schemas.microsoft.com/office/drawing/2014/main" id="{86D37C96-729C-5844-AF91-C38CD5FE1C6C}"/>
-              </a:ext>
-            </a:extLst>
-          </p:cNvPr>
-          <p:cNvSpPr>
-            <a:spLocks noGrp="1"/>
-          </p:cNvSpPr>
-          <p:nvPr>
-            <p:ph type="body" idx="1"/>
-          </p:nvPr>
-        </p:nvSpPr>
-        <p:spPr/>
-        <p:txBody>
-          <a:bodyPr/>
-          <a:lstStyle/>
-          <a:p>
-            <a:r>
-              <a:rPr lang="en-US" dirty="0"/>
-              <a:t>Heat Map</a:t>
-            </a:r>
-          </a:p>
-        </p:txBody>
-      </p:sp>
-    </p:spTree>
-    <p:extLst>
-      <p:ext uri="{BB962C8B-B14F-4D97-AF65-F5344CB8AC3E}">
-        <p14:creationId xmlns:p14="http://schemas.microsoft.com/office/powerpoint/2010/main" val="126961883"/>
-      </p:ext>
-    </p:extLst>
-  </p:cSld>
-  <p:clrMapOvr>
-    <a:masterClrMapping/>
-  </p:clrMapOvr>
-</p:sld>
-</file>
-
-<file path=ppt/slides/slide6.xml><?xml version="1.0" encoding="utf-8"?>
-<p:sld xmlns:a="http://schemas.openxmlformats.org/drawingml/2006/main" xmlns:r="http://schemas.openxmlformats.org/officeDocument/2006/relationships" xmlns:p="http://schemas.openxmlformats.org/presentationml/2006/main">
-  <p:cSld>
-    <p:spTree>
-      <p:nvGrpSpPr>
-        <p:cNvPr id="1" name=""/>
-        <p:cNvGrpSpPr/>
-        <p:nvPr/>
-      </p:nvGrpSpPr>
-      <p:grpSpPr>
-        <a:xfrm>
-          <a:off x="0" y="0"/>
-          <a:ext cx="0" cy="0"/>
-          <a:chOff x="0" y="0"/>
-          <a:chExt cx="0" cy="0"/>
-        </a:xfrm>
-      </p:grpSpPr>
-      <p:sp>
-        <p:nvSpPr>
-          <p:cNvPr id="2" name="Title 1">
-            <a:extLst>
-              <a:ext uri="{FF2B5EF4-FFF2-40B4-BE49-F238E27FC236}">
-                <a16:creationId xmlns:a16="http://schemas.microsoft.com/office/drawing/2014/main" id="{8F584C28-A19A-B84E-A169-8200D9518F7A}"/>
-              </a:ext>
-            </a:extLst>
-          </p:cNvPr>
-          <p:cNvSpPr>
-            <a:spLocks noGrp="1"/>
-          </p:cNvSpPr>
-          <p:nvPr>
-            <p:ph type="title"/>
-          </p:nvPr>
-        </p:nvSpPr>
-        <p:spPr/>
-        <p:txBody>
-          <a:bodyPr/>
-          <a:lstStyle/>
-          <a:p>
-            <a:r>
-              <a:rPr lang="en-US" dirty="0"/>
-              <a:t>Bonus us reviews heat map</a:t>
+              <a:t>Final Report</a:t>
             </a:r>
           </a:p>
         </p:txBody>
@@ -7305,7 +7114,7 @@
           <p:cNvPr id="3" name="Content Placeholder 2">
             <a:extLst>
               <a:ext uri="{FF2B5EF4-FFF2-40B4-BE49-F238E27FC236}">
-                <a16:creationId xmlns:a16="http://schemas.microsoft.com/office/drawing/2014/main" id="{A99F9B58-5E6B-D641-BF64-CBD54059D109}"/>
+                <a16:creationId xmlns:a16="http://schemas.microsoft.com/office/drawing/2014/main" id="{71565ECD-4AA2-0449-BA6B-717984B06C29}"/>
               </a:ext>
             </a:extLst>
           </p:cNvPr>
@@ -7316,19 +7125,111 @@
             <p:ph idx="1"/>
           </p:nvPr>
         </p:nvSpPr>
-        <p:spPr/>
+        <p:spPr>
+          <a:xfrm>
+            <a:off x="1251678" y="1389893"/>
+            <a:ext cx="10178322" cy="4987156"/>
+          </a:xfrm>
+        </p:spPr>
         <p:txBody>
           <a:bodyPr/>
           <a:lstStyle/>
           <a:p>
-            <a:endParaRPr lang="en-US"/>
+            <a:r>
+              <a:rPr lang="en-US" dirty="0"/>
+              <a:t>Extract : </a:t>
+            </a:r>
+          </a:p>
+          <a:p>
+            <a:pPr lvl="1"/>
+            <a:r>
+              <a:rPr lang="en-US" dirty="0"/>
+              <a:t>CSV,  </a:t>
+            </a:r>
+            <a:r>
+              <a:rPr lang="en-US" dirty="0" err="1"/>
+              <a:t>Jupyter</a:t>
+            </a:r>
+            <a:r>
+              <a:rPr lang="en-US" dirty="0"/>
+              <a:t> Notebook, </a:t>
+            </a:r>
+            <a:r>
+              <a:rPr lang="en-US" dirty="0" err="1"/>
+              <a:t>pgAdmin</a:t>
+            </a:r>
+            <a:r>
+              <a:rPr lang="en-US" dirty="0"/>
+              <a:t> 4, Pandas, </a:t>
+            </a:r>
+            <a:r>
+              <a:rPr lang="en-US" dirty="0" err="1"/>
+              <a:t>sqlalchemy</a:t>
+            </a:r>
+            <a:r>
+              <a:rPr lang="en-US" dirty="0"/>
+              <a:t>, &amp; psycopg2</a:t>
+            </a:r>
+          </a:p>
+          <a:p>
+            <a:r>
+              <a:rPr lang="en-US" dirty="0"/>
+              <a:t>Transform: </a:t>
+            </a:r>
+          </a:p>
+          <a:p>
+            <a:pPr lvl="1"/>
+            <a:r>
+              <a:rPr lang="en-US" dirty="0"/>
+              <a:t>Cleaning included renaming the column headers, used </a:t>
+            </a:r>
+            <a:r>
+              <a:rPr lang="en-US" dirty="0" err="1"/>
+              <a:t>concat</a:t>
+            </a:r>
+            <a:r>
+              <a:rPr lang="en-US" dirty="0"/>
+              <a:t> to join clean CSV’s and created 3 separate data frames that were loaded as empty tables into </a:t>
+            </a:r>
+            <a:r>
+              <a:rPr lang="en-US" dirty="0" err="1"/>
+              <a:t>postgres</a:t>
+            </a:r>
+            <a:r>
+              <a:rPr lang="en-US" dirty="0"/>
+              <a:t>. </a:t>
+            </a:r>
+          </a:p>
+          <a:p>
+            <a:r>
+              <a:rPr lang="en-US" dirty="0"/>
+              <a:t>Load: </a:t>
+            </a:r>
+          </a:p>
+          <a:p>
+            <a:pPr lvl="1"/>
+            <a:r>
+              <a:rPr lang="en-US" dirty="0"/>
+              <a:t>Hotels, Users and Reviews were the final tables we chose because they are relational and we white boarded to show in above slide images. </a:t>
+            </a:r>
+          </a:p>
+          <a:p>
+            <a:pPr lvl="1"/>
+            <a:r>
+              <a:rPr lang="en-US" dirty="0"/>
+              <a:t>We were only able to load the tables after removing the primary and foreign keys but were having issues altering the tables afterwards to assign them. </a:t>
+            </a:r>
+          </a:p>
+          <a:p>
+            <a:pPr lvl="1"/>
+            <a:endParaRPr lang="en-US" dirty="0"/>
           </a:p>
         </p:txBody>
       </p:sp>
     </p:spTree>
     <p:extLst>
       <p:ext uri="{BB962C8B-B14F-4D97-AF65-F5344CB8AC3E}">
-        <p14:creationId xmlns:p14="http://schemas.microsoft.com/office/powerpoint/2010/main" val="1348755082"/>
+        <p14:creationId xmlns:p14="http://schemas.microsoft.com/office/powerpoint/2010/main" val="3155648746"/>
       </p:ext>
     </p:extLst>
   </p:cSld>

--- a/ETL Group Project Presentation.pptx
+++ b/ETL Group Project Presentation.pptx
@@ -7210,14 +7210,14 @@
             <a:pPr lvl="1"/>
             <a:r>
               <a:rPr lang="en-US" dirty="0"/>
-              <a:t>Hotels, Users and Reviews were the final tables we chose because they are relational and we white boarded to show in above slide images. </a:t>
+              <a:t>Hotels, Users and Reviews were the final tables we chose because they are relational and we white boarded to show. </a:t>
             </a:r>
           </a:p>
           <a:p>
             <a:pPr lvl="1"/>
             <a:r>
               <a:rPr lang="en-US" dirty="0"/>
-              <a:t>We were only able to load the tables after removing the primary and foreign keys but were having issues altering the tables afterwards to assign them. </a:t>
+              <a:t>We were originally planning to create a bonus heat map to include but ran out of time. </a:t>
             </a:r>
           </a:p>
           <a:p>
